--- a/inflearn03/doc/3.(심화)우리는DTO를사용하지않습니다.pptx
+++ b/inflearn03/doc/3.(심화)우리는DTO를사용하지않습니다.pptx
@@ -16195,7 +16195,7 @@
             </a:r>
             <a:r>
               <a:rPr lang="ko-KR" altLang="en-US"/>
-              <a:t>가 만들어짐</a:t>
+              <a:t>가 필요함</a:t>
             </a:r>
             <a:endParaRPr lang="en-US" altLang="ko-KR"/>
           </a:p>
@@ -16366,7 +16366,7 @@
             </a:r>
             <a:r>
               <a:rPr lang="ko-KR" altLang="en-US"/>
-              <a:t>수정으로 끝이 아님</a:t>
+              <a:t>변경으로 끝이 아님</a:t>
             </a:r>
             <a:endParaRPr lang="en-US" altLang="ko-KR"/>
           </a:p>
@@ -16379,6 +16379,14 @@
             <a:endParaRPr lang="en-US" altLang="ko-KR"/>
           </a:p>
           <a:p>
+            <a:pPr lvl="2"/>
+            <a:r>
+              <a:rPr lang="ko-KR" altLang="en-US"/>
+              <a:t>개발도 어렵지만 유지보수는 쉬음</a:t>
+            </a:r>
+            <a:endParaRPr lang="en-US" altLang="ko-KR"/>
+          </a:p>
+          <a:p>
             <a:pPr lvl="1"/>
             <a:r>
               <a:rPr lang="en-US" altLang="ko-KR"/>
@@ -16386,9 +16394,28 @@
             </a:r>
             <a:r>
               <a:rPr lang="ko-KR" altLang="en-US"/>
-              <a:t>탄생 배경</a:t>
+              <a:t>사용을 해야 하는 이유</a:t>
             </a:r>
             <a:endParaRPr lang="en-US" altLang="ko-KR"/>
+          </a:p>
+          <a:p>
+            <a:pPr lvl="2"/>
+            <a:r>
+              <a:rPr lang="ko-KR" altLang="en-US" sz="800"/>
+              <a:t>처음부터 </a:t>
+            </a:r>
+            <a:r>
+              <a:rPr lang="en-US" altLang="ko-KR" sz="800"/>
+              <a:t>DTO </a:t>
+            </a:r>
+            <a:r>
+              <a:rPr lang="ko-KR" altLang="en-US" sz="800"/>
+              <a:t>를 사용하지 않았다면</a:t>
+            </a:r>
+            <a:r>
+              <a:rPr lang="en-US" altLang="ko-KR" sz="800"/>
+              <a:t>.</a:t>
+            </a:r>
           </a:p>
         </p:txBody>
       </p:sp>
@@ -16491,7 +16518,7 @@
             </a:r>
             <a:r>
               <a:rPr lang="ko-KR" altLang="en-US"/>
-              <a:t>를 사용하면서 발생되는 불편함</a:t>
+              <a:t>사용의 결과</a:t>
             </a:r>
           </a:p>
         </p:txBody>
@@ -16518,6 +16545,26 @@
           <a:lstStyle/>
           <a:p>
             <a:r>
+              <a:rPr lang="en-US" altLang="ko-KR"/>
+              <a:t>SW</a:t>
+            </a:r>
+            <a:r>
+              <a:rPr lang="ko-KR" altLang="en-US"/>
+              <a:t> 공학의 목표인 재 사용을 못함</a:t>
+            </a:r>
+            <a:endParaRPr lang="en-US" altLang="ko-KR"/>
+          </a:p>
+          <a:p>
+            <a:pPr lvl="1"/>
+            <a:r>
+              <a:rPr lang="ko-KR" altLang="en-US"/>
+              <a:t>내용결합</a:t>
+            </a:r>
+            <a:endParaRPr lang="en-US" altLang="ko-KR"/>
+          </a:p>
+          <a:p>
+            <a:pPr lvl="1"/>
+            <a:r>
               <a:rPr lang="ko-KR" altLang="en-US"/>
               <a:t>파급효과 범위 예측 불가</a:t>
             </a:r>
@@ -16527,22 +16574,14 @@
             <a:pPr lvl="1"/>
             <a:r>
               <a:rPr lang="ko-KR" altLang="en-US"/>
-              <a:t>내용결합</a:t>
+              <a:t>실행시점에 오류가 발생</a:t>
             </a:r>
             <a:endParaRPr lang="en-US" altLang="ko-KR"/>
           </a:p>
           <a:p>
-            <a:pPr lvl="1"/>
             <a:r>
               <a:rPr lang="ko-KR" altLang="en-US"/>
-              <a:t>실행시점에 오류가 발생</a:t>
-            </a:r>
-            <a:endParaRPr lang="en-US" altLang="ko-KR"/>
-          </a:p>
-          <a:p>
-            <a:r>
-              <a:rPr lang="ko-KR" altLang="en-US"/>
-              <a:t>리펙토링 보다 데이터 추가</a:t>
+              <a:t>리펙토링이 아닌 회피</a:t>
             </a:r>
             <a:endParaRPr lang="en-US" altLang="ko-KR"/>
           </a:p>
@@ -16556,9 +16595,47 @@
               <a:rPr lang="ko-KR" altLang="en-US"/>
               <a:t>탄생</a:t>
             </a:r>
+            <a:endParaRPr lang="en-US" altLang="ko-KR"/>
+          </a:p>
+          <a:p>
+            <a:pPr lvl="1"/>
+            <a:r>
+              <a:rPr lang="ko-KR" altLang="en-US"/>
+              <a:t>개발도 어렵고 유지보수도 어려움</a:t>
+            </a:r>
           </a:p>
         </p:txBody>
       </p:sp>
+      <p:pic>
+        <p:nvPicPr>
+          <p:cNvPr id="5" name="그림 4">
+            <a:extLst>
+              <a:ext uri="{FF2B5EF4-FFF2-40B4-BE49-F238E27FC236}">
+                <a16:creationId xmlns:a16="http://schemas.microsoft.com/office/drawing/2014/main" id="{B36C3FEF-D1B2-4AB3-B41D-38F37B01A220}"/>
+              </a:ext>
+            </a:extLst>
+          </p:cNvPr>
+          <p:cNvPicPr>
+            <a:picLocks noChangeAspect="1"/>
+          </p:cNvPicPr>
+          <p:nvPr/>
+        </p:nvPicPr>
+        <p:blipFill>
+          <a:blip r:embed="rId2"/>
+          <a:stretch>
+            <a:fillRect/>
+          </a:stretch>
+        </p:blipFill>
+        <p:spPr>
+          <a:xfrm>
+            <a:off x="6449895" y="3352800"/>
+            <a:ext cx="3769683" cy="2277820"/>
+          </a:xfrm>
+          <a:prstGeom prst="rect">
+            <a:avLst/>
+          </a:prstGeom>
+        </p:spPr>
+      </p:pic>
     </p:spTree>
     <p:extLst>
       <p:ext uri="{BB962C8B-B14F-4D97-AF65-F5344CB8AC3E}">
@@ -16624,12 +16701,17 @@
           <a:p>
             <a:r>
               <a:rPr lang="en-US" altLang="ko-KR"/>
-              <a:t>DTO(VO) </a:t>
+              <a:t>DTO(VO)</a:t>
             </a:r>
             <a:r>
               <a:rPr lang="ko-KR" altLang="en-US"/>
-              <a:t>대안</a:t>
-            </a:r>
+              <a:t>가 아닌 객체가 필요합니다</a:t>
+            </a:r>
+            <a:r>
+              <a:rPr lang="en-US" altLang="ko-KR"/>
+              <a:t>.</a:t>
+            </a:r>
+            <a:endParaRPr lang="ko-KR" altLang="en-US"/>
           </a:p>
         </p:txBody>
       </p:sp>
@@ -16651,56 +16733,108 @@
         </p:nvSpPr>
         <p:spPr/>
         <p:txBody>
-          <a:bodyPr/>
+          <a:bodyPr>
+            <a:normAutofit lnSpcReduction="10000"/>
+          </a:bodyPr>
           <a:lstStyle/>
           <a:p>
             <a:r>
+              <a:rPr lang="ko-KR" altLang="en-US"/>
+              <a:t>내용 결합은 필요합니다</a:t>
+            </a:r>
+            <a:r>
               <a:rPr lang="en-US" altLang="ko-KR"/>
-              <a:t>Box</a:t>
+              <a:t>.</a:t>
             </a:r>
           </a:p>
           <a:p>
             <a:pPr lvl="1"/>
             <a:r>
+              <a:rPr lang="en-US" altLang="ko-KR"/>
+              <a:t>UploadFileB.java</a:t>
+            </a:r>
+          </a:p>
+          <a:p>
+            <a:pPr lvl="2"/>
+            <a:r>
               <a:rPr lang="ko-KR" altLang="en-US"/>
-              <a:t>사용자 요청과 서비스 결과를 담고 있는 객체</a:t>
+              <a:t>파일업로드 기능은 프레임워크에 의존</a:t>
             </a:r>
             <a:endParaRPr lang="en-US" altLang="ko-KR"/>
           </a:p>
           <a:p>
             <a:pPr lvl="1"/>
             <a:r>
+              <a:rPr lang="en-US" altLang="ko-KR"/>
+              <a:t>SessionB.java</a:t>
+            </a:r>
+          </a:p>
+          <a:p>
+            <a:pPr lvl="2"/>
+            <a:r>
               <a:rPr lang="ko-KR" altLang="en-US"/>
-              <a:t>실행 시점에 데이터 형태가 결정</a:t>
+              <a:t>인증과 접근제어를 위한 묶음</a:t>
             </a:r>
             <a:endParaRPr lang="en-US" altLang="ko-KR"/>
           </a:p>
           <a:p>
+            <a:pPr lvl="1"/>
             <a:r>
               <a:rPr lang="en-US" altLang="ko-KR"/>
-              <a:t>Table</a:t>
+              <a:t>SqlRunnerB.java</a:t>
+            </a:r>
+          </a:p>
+          <a:p>
+            <a:pPr lvl="2"/>
+            <a:r>
+              <a:rPr lang="ko-KR" altLang="en-US"/>
+              <a:t>디폴트패키지에만 파급효과</a:t>
+            </a:r>
+            <a:endParaRPr lang="en-US" altLang="ko-KR"/>
+          </a:p>
+          <a:p>
+            <a:r>
+              <a:rPr lang="ko-KR" altLang="en-US"/>
+              <a:t>데이터만 있는건 객체가 아닙니다</a:t>
+            </a:r>
+            <a:r>
+              <a:rPr lang="en-US" altLang="ko-KR"/>
+              <a:t>.</a:t>
             </a:r>
           </a:p>
           <a:p>
             <a:pPr lvl="1"/>
             <a:r>
               <a:rPr lang="en-US" altLang="ko-KR"/>
-              <a:t>DTO + List(</a:t>
+              <a:t>get</a:t>
             </a:r>
             <a:r>
               <a:rPr lang="ko-KR" altLang="en-US"/>
-              <a:t>컬렉션</a:t>
+              <a:t> 또는 </a:t>
             </a:r>
             <a:r>
               <a:rPr lang="en-US" altLang="ko-KR"/>
-              <a:t>) </a:t>
-            </a:r>
+              <a:t>set </a:t>
+            </a:r>
+            <a:r>
+              <a:rPr lang="ko-KR" altLang="en-US"/>
+              <a:t>만 있어야 함</a:t>
+            </a:r>
+            <a:endParaRPr lang="en-US" altLang="ko-KR"/>
           </a:p>
           <a:p>
             <a:pPr lvl="1"/>
             <a:r>
               <a:rPr lang="ko-KR" altLang="en-US"/>
-              <a:t>컬렉션 객체의 편리함과 성능 보장</a:t>
+              <a:t>관습적인 </a:t>
+            </a:r>
+            <a:r>
+              <a:rPr lang="en-US" altLang="ko-KR"/>
+              <a:t>DTO </a:t>
+            </a:r>
+            <a:r>
+              <a:rPr lang="ko-KR" altLang="en-US"/>
+              <a:t>사용에 대한 고민이 필요</a:t>
             </a:r>
             <a:endParaRPr lang="en-US" altLang="ko-KR"/>
           </a:p>
@@ -17384,6 +17518,17 @@
             </a:r>
             <a:endParaRPr lang="en-US" altLang="ko-KR"/>
           </a:p>
+          <a:p>
+            <a:pPr lvl="1"/>
+            <a:r>
+              <a:rPr lang="en-US" altLang="ko-KR"/>
+              <a:t>EJB</a:t>
+            </a:r>
+          </a:p>
+          <a:p>
+            <a:pPr lvl="1"/>
+            <a:endParaRPr lang="en-US" altLang="ko-KR"/>
+          </a:p>
         </p:txBody>
       </p:sp>
       <p:pic>
@@ -18359,6 +18504,7 @@
             <a:endParaRPr lang="en-US" altLang="ko-KR"/>
           </a:p>
           <a:p>
+            <a:pPr lvl="1"/>
             <a:r>
               <a:rPr lang="ko-KR" altLang="en-US"/>
               <a:t>컴파일 오류를 통해 파급효과를 확인하는 범위는 제한</a:t>
@@ -18550,8 +18696,8 @@
               <a:t>에서 </a:t>
             </a:r>
             <a:r>
-              <a:rPr lang="en-US" altLang="ko-KR"/>
-              <a:t>pin</a:t>
+              <a:rPr lang="en-US" altLang="ko-KR" sz="1800"/>
+              <a:t>auth</a:t>
             </a:r>
             <a:r>
               <a:rPr lang="ko-KR" altLang="en-US"/>
@@ -18570,8 +18716,12 @@
               <a:t>에서 </a:t>
             </a:r>
             <a:r>
+              <a:rPr lang="en-US" altLang="ko-KR" sz="1800"/>
+              <a:t>auth</a:t>
+            </a:r>
+            <a:r>
               <a:rPr lang="en-US" altLang="ko-KR"/>
-              <a:t>pin </a:t>
+              <a:t> </a:t>
             </a:r>
             <a:r>
               <a:rPr lang="ko-KR" altLang="en-US"/>
@@ -18583,6 +18733,14 @@
             <a:r>
               <a:rPr lang="ko-KR" altLang="en-US"/>
               <a:t>상속은 기능의 재사용을 위한 것임</a:t>
+            </a:r>
+            <a:endParaRPr lang="en-US" altLang="ko-KR"/>
+          </a:p>
+          <a:p>
+            <a:pPr lvl="1"/>
+            <a:r>
+              <a:rPr lang="ko-KR" altLang="en-US"/>
+              <a:t>데이터의 재사용은 아님</a:t>
             </a:r>
             <a:endParaRPr lang="en-US" altLang="ko-KR"/>
           </a:p>
@@ -18606,7 +18764,7 @@
         </p:nvSpPr>
         <p:spPr>
           <a:xfrm>
-            <a:off x="1753055" y="4379864"/>
+            <a:off x="6705381" y="2122187"/>
             <a:ext cx="2821724" cy="1195548"/>
           </a:xfrm>
           <a:prstGeom prst="rect">
@@ -18658,7 +18816,7 @@
           <a:p>
             <a:r>
               <a:rPr lang="en-US" altLang="ko-KR" sz="1600"/>
-              <a:t>private String pin;</a:t>
+              <a:t>private String auth;</a:t>
             </a:r>
           </a:p>
         </p:txBody>
@@ -18677,8 +18835,8 @@
         </p:nvSpPr>
         <p:spPr>
           <a:xfrm>
-            <a:off x="5643976" y="4379864"/>
-            <a:ext cx="2821724" cy="1195548"/>
+            <a:off x="6705381" y="3956692"/>
+            <a:ext cx="2821724" cy="1400235"/>
           </a:xfrm>
           <a:prstGeom prst="rect">
             <a:avLst/>
@@ -18719,6 +18877,18 @@
           </a:p>
           <a:p>
             <a:endParaRPr lang="en-US" altLang="ko-KR" sz="1600"/>
+          </a:p>
+          <a:p>
+            <a:r>
+              <a:rPr lang="en-US" altLang="ko-KR" sz="1600"/>
+              <a:t>private String id;</a:t>
+            </a:r>
+          </a:p>
+          <a:p>
+            <a:r>
+              <a:rPr lang="en-US" altLang="ko-KR" sz="1600"/>
+              <a:t>private String auth;</a:t>
+            </a:r>
           </a:p>
           <a:p>
             <a:r>

--- a/inflearn03/doc/3.(심화)우리는DTO를사용하지않습니다.pptx
+++ b/inflearn03/doc/3.(심화)우리는DTO를사용하지않습니다.pptx
@@ -649,7 +649,7 @@
                 <a:latin typeface="맑은 고딕" panose="020B0503020000020004" pitchFamily="50" charset="-127"/>
                 <a:ea typeface="맑은 고딕" panose="020B0503020000020004" pitchFamily="50" charset="-127"/>
               </a:rPr>
-              <a:t>2021년 6월 17일</a:t>
+              <a:t>2021년 6월 19일</a:t>
             </a:fld>
             <a:endParaRPr lang="ko-KR" altLang="en-US">
               <a:latin typeface="맑은 고딕" panose="020B0503020000020004" pitchFamily="50" charset="-127"/>
@@ -835,7 +835,7 @@
             <a:fld id="{BE16EC8A-0758-4FA9-BF4D-3119057076D1}" type="datetime4">
               <a:rPr lang="ko-KR" altLang="en-US" smtClean="0"/>
               <a:pPr/>
-              <a:t>2021년 6월 17일</a:t>
+              <a:t>2021년 6월 19일</a:t>
             </a:fld>
             <a:endParaRPr lang="ko-KR" altLang="en-US"/>
           </a:p>
@@ -3317,7 +3317,7 @@
           <a:p>
             <a:fld id="{2A5B65E4-62A8-4988-B07B-5D6D443B14ED}" type="datetime4">
               <a:rPr lang="ko-KR" altLang="en-US" smtClean="0"/>
-              <a:t>2021년 6월 17일</a:t>
+              <a:t>2021년 6월 19일</a:t>
             </a:fld>
             <a:endParaRPr lang="ko-KR" altLang="en-US"/>
           </a:p>
@@ -3573,7 +3573,7 @@
           <a:p>
             <a:fld id="{58EB6286-0DE7-4336-9826-977AD102FCF2}" type="datetime4">
               <a:rPr lang="ko-KR" altLang="en-US" noProof="0" smtClean="0"/>
-              <a:t>2021년 6월 17일</a:t>
+              <a:t>2021년 6월 19일</a:t>
             </a:fld>
             <a:endParaRPr lang="ko-KR" altLang="en-US" noProof="0"/>
           </a:p>
@@ -3769,7 +3769,7 @@
             <a:pPr rtl="0"/>
             <a:fld id="{6A5419DA-7218-42E5-A443-F000500111E1}" type="datetime4">
               <a:rPr lang="ko-KR" altLang="en-US" noProof="0" smtClean="0"/>
-              <a:t>2021년 6월 17일</a:t>
+              <a:t>2021년 6월 19일</a:t>
             </a:fld>
             <a:endParaRPr lang="ko-KR" altLang="en-US" noProof="0"/>
           </a:p>
@@ -6170,7 +6170,7 @@
           <a:p>
             <a:fld id="{E498C52F-1DF1-4226-BAB6-C1E2EE4C9D62}" type="datetime4">
               <a:rPr lang="ko-KR" altLang="en-US" noProof="0" smtClean="0"/>
-              <a:t>2021년 6월 17일</a:t>
+              <a:t>2021년 6월 19일</a:t>
             </a:fld>
             <a:endParaRPr lang="ko-KR" altLang="en-US" noProof="0"/>
           </a:p>
@@ -6689,7 +6689,7 @@
           <a:p>
             <a:fld id="{7B1E1FFC-F755-4558-8D3C-A157D1A01A8A}" type="datetime4">
               <a:rPr lang="ko-KR" altLang="en-US" noProof="0" smtClean="0"/>
-              <a:t>2021년 6월 17일</a:t>
+              <a:t>2021년 6월 19일</a:t>
             </a:fld>
             <a:endParaRPr lang="ko-KR" altLang="en-US" noProof="0"/>
           </a:p>
@@ -6833,7 +6833,7 @@
             <a:pPr rtl="0"/>
             <a:fld id="{DA2A33C0-A4A8-4C90-B6DA-35B8CF58C816}" type="datetime4">
               <a:rPr lang="ko-KR" altLang="en-US" noProof="0" smtClean="0"/>
-              <a:t>2021년 6월 17일</a:t>
+              <a:t>2021년 6월 19일</a:t>
             </a:fld>
             <a:endParaRPr lang="ko-KR" altLang="en-US" noProof="0"/>
           </a:p>
@@ -8781,7 +8781,7 @@
           <a:p>
             <a:fld id="{53CB1B8F-A14A-4BE4-A9B9-3B263F04145C}" type="datetime4">
               <a:rPr lang="ko-KR" altLang="en-US" noProof="0" smtClean="0"/>
-              <a:t>2021년 6월 17일</a:t>
+              <a:t>2021년 6월 19일</a:t>
             </a:fld>
             <a:endParaRPr lang="ko-KR" altLang="en-US" noProof="0"/>
           </a:p>
@@ -11078,7 +11078,7 @@
           <a:p>
             <a:fld id="{5B9196A3-957C-4113-A568-B6ED9AEA3D01}" type="datetime4">
               <a:rPr lang="ko-KR" altLang="en-US" noProof="0" smtClean="0"/>
-              <a:t>2021년 6월 17일</a:t>
+              <a:t>2021년 6월 19일</a:t>
             </a:fld>
             <a:endParaRPr lang="ko-KR" altLang="en-US" noProof="0"/>
           </a:p>
@@ -15395,7 +15395,7 @@
           <a:p>
             <a:fld id="{28BEB146-D335-4DA5-9826-58595BCDBE2E}" type="datetime4">
               <a:rPr lang="ko-KR" altLang="en-US" noProof="0" smtClean="0"/>
-              <a:t>2021년 6월 17일</a:t>
+              <a:t>2021년 6월 19일</a:t>
             </a:fld>
             <a:endParaRPr lang="ko-KR" altLang="en-US" noProof="0"/>
           </a:p>
@@ -16952,7 +16952,7 @@
             </a:r>
             <a:r>
               <a:rPr lang="en-US" altLang="ko-KR"/>
-              <a:t>(Side Effect) </a:t>
+              <a:t>(Ripple Effect) </a:t>
             </a:r>
             <a:r>
               <a:rPr lang="ko-KR" altLang="en-US"/>

--- a/inflearn03/doc/3.(심화)우리는DTO를사용하지않습니다.pptx
+++ b/inflearn03/doc/3.(심화)우리는DTO를사용하지않습니다.pptx
@@ -649,7 +649,7 @@
                 <a:latin typeface="맑은 고딕" panose="020B0503020000020004" pitchFamily="50" charset="-127"/>
                 <a:ea typeface="맑은 고딕" panose="020B0503020000020004" pitchFamily="50" charset="-127"/>
               </a:rPr>
-              <a:t>2021년 6월 19일</a:t>
+              <a:t>2021년 8월 3일</a:t>
             </a:fld>
             <a:endParaRPr lang="ko-KR" altLang="en-US">
               <a:latin typeface="맑은 고딕" panose="020B0503020000020004" pitchFamily="50" charset="-127"/>
@@ -835,7 +835,7 @@
             <a:fld id="{BE16EC8A-0758-4FA9-BF4D-3119057076D1}" type="datetime4">
               <a:rPr lang="ko-KR" altLang="en-US" smtClean="0"/>
               <a:pPr/>
-              <a:t>2021년 6월 19일</a:t>
+              <a:t>2021년 8월 3일</a:t>
             </a:fld>
             <a:endParaRPr lang="ko-KR" altLang="en-US"/>
           </a:p>
@@ -3317,7 +3317,7 @@
           <a:p>
             <a:fld id="{2A5B65E4-62A8-4988-B07B-5D6D443B14ED}" type="datetime4">
               <a:rPr lang="ko-KR" altLang="en-US" smtClean="0"/>
-              <a:t>2021년 6월 19일</a:t>
+              <a:t>2021년 8월 3일</a:t>
             </a:fld>
             <a:endParaRPr lang="ko-KR" altLang="en-US"/>
           </a:p>
@@ -3573,7 +3573,7 @@
           <a:p>
             <a:fld id="{58EB6286-0DE7-4336-9826-977AD102FCF2}" type="datetime4">
               <a:rPr lang="ko-KR" altLang="en-US" noProof="0" smtClean="0"/>
-              <a:t>2021년 6월 19일</a:t>
+              <a:t>2021년 8월 3일</a:t>
             </a:fld>
             <a:endParaRPr lang="ko-KR" altLang="en-US" noProof="0"/>
           </a:p>
@@ -3769,7 +3769,7 @@
             <a:pPr rtl="0"/>
             <a:fld id="{6A5419DA-7218-42E5-A443-F000500111E1}" type="datetime4">
               <a:rPr lang="ko-KR" altLang="en-US" noProof="0" smtClean="0"/>
-              <a:t>2021년 6월 19일</a:t>
+              <a:t>2021년 8월 3일</a:t>
             </a:fld>
             <a:endParaRPr lang="ko-KR" altLang="en-US" noProof="0"/>
           </a:p>
@@ -6170,7 +6170,7 @@
           <a:p>
             <a:fld id="{E498C52F-1DF1-4226-BAB6-C1E2EE4C9D62}" type="datetime4">
               <a:rPr lang="ko-KR" altLang="en-US" noProof="0" smtClean="0"/>
-              <a:t>2021년 6월 19일</a:t>
+              <a:t>2021년 8월 3일</a:t>
             </a:fld>
             <a:endParaRPr lang="ko-KR" altLang="en-US" noProof="0"/>
           </a:p>
@@ -6689,7 +6689,7 @@
           <a:p>
             <a:fld id="{7B1E1FFC-F755-4558-8D3C-A157D1A01A8A}" type="datetime4">
               <a:rPr lang="ko-KR" altLang="en-US" noProof="0" smtClean="0"/>
-              <a:t>2021년 6월 19일</a:t>
+              <a:t>2021년 8월 3일</a:t>
             </a:fld>
             <a:endParaRPr lang="ko-KR" altLang="en-US" noProof="0"/>
           </a:p>
@@ -6833,7 +6833,7 @@
             <a:pPr rtl="0"/>
             <a:fld id="{DA2A33C0-A4A8-4C90-B6DA-35B8CF58C816}" type="datetime4">
               <a:rPr lang="ko-KR" altLang="en-US" noProof="0" smtClean="0"/>
-              <a:t>2021년 6월 19일</a:t>
+              <a:t>2021년 8월 3일</a:t>
             </a:fld>
             <a:endParaRPr lang="ko-KR" altLang="en-US" noProof="0"/>
           </a:p>
@@ -8781,7 +8781,7 @@
           <a:p>
             <a:fld id="{53CB1B8F-A14A-4BE4-A9B9-3B263F04145C}" type="datetime4">
               <a:rPr lang="ko-KR" altLang="en-US" noProof="0" smtClean="0"/>
-              <a:t>2021년 6월 19일</a:t>
+              <a:t>2021년 8월 3일</a:t>
             </a:fld>
             <a:endParaRPr lang="ko-KR" altLang="en-US" noProof="0"/>
           </a:p>
@@ -11078,7 +11078,7 @@
           <a:p>
             <a:fld id="{5B9196A3-957C-4113-A568-B6ED9AEA3D01}" type="datetime4">
               <a:rPr lang="ko-KR" altLang="en-US" noProof="0" smtClean="0"/>
-              <a:t>2021년 6월 19일</a:t>
+              <a:t>2021년 8월 3일</a:t>
             </a:fld>
             <a:endParaRPr lang="ko-KR" altLang="en-US" noProof="0"/>
           </a:p>
@@ -15395,7 +15395,7 @@
           <a:p>
             <a:fld id="{28BEB146-D335-4DA5-9826-58595BCDBE2E}" type="datetime4">
               <a:rPr lang="ko-KR" altLang="en-US" noProof="0" smtClean="0"/>
-              <a:t>2021년 6월 19일</a:t>
+              <a:t>2021년 8월 3일</a:t>
             </a:fld>
             <a:endParaRPr lang="ko-KR" altLang="en-US" noProof="0"/>
           </a:p>
@@ -16541,7 +16541,9 @@
         </p:nvSpPr>
         <p:spPr/>
         <p:txBody>
-          <a:bodyPr/>
+          <a:bodyPr>
+            <a:normAutofit lnSpcReduction="10000"/>
+          </a:bodyPr>
           <a:lstStyle/>
           <a:p>
             <a:r>
@@ -16603,6 +16605,46 @@
               <a:rPr lang="ko-KR" altLang="en-US"/>
               <a:t>개발도 어렵고 유지보수도 어려움</a:t>
             </a:r>
+            <a:endParaRPr lang="en-US" altLang="ko-KR"/>
+          </a:p>
+          <a:p>
+            <a:r>
+              <a:rPr lang="ko-KR" altLang="en-US"/>
+              <a:t>보일러코드를 해결하는 라이브러리</a:t>
+            </a:r>
+            <a:endParaRPr lang="en-US" altLang="ko-KR"/>
+          </a:p>
+          <a:p>
+            <a:pPr lvl="1"/>
+            <a:r>
+              <a:rPr lang="ko-KR" altLang="en-US">
+                <a:solidFill>
+                  <a:srgbClr val="FF0000"/>
+                </a:solidFill>
+              </a:rPr>
+              <a:t>근본적인 해결 방법이 아님</a:t>
+            </a:r>
+            <a:endParaRPr lang="en-US" altLang="ko-KR">
+              <a:solidFill>
+                <a:srgbClr val="FF0000"/>
+              </a:solidFill>
+            </a:endParaRPr>
+          </a:p>
+          <a:p>
+            <a:pPr lvl="2"/>
+            <a:r>
+              <a:rPr lang="en-US" altLang="ko-KR">
+                <a:solidFill>
+                  <a:srgbClr val="FF0000"/>
+                </a:solidFill>
+              </a:rPr>
+              <a:t>Lombok</a:t>
+            </a:r>
+            <a:endParaRPr lang="ko-KR" altLang="en-US">
+              <a:solidFill>
+                <a:srgbClr val="FF0000"/>
+              </a:solidFill>
+            </a:endParaRPr>
           </a:p>
         </p:txBody>
       </p:sp>
@@ -18557,6 +18599,30 @@
               <a:t>실행시점에서 오류를 확인</a:t>
             </a:r>
             <a:endParaRPr lang="en-US" altLang="ko-KR"/>
+          </a:p>
+          <a:p>
+            <a:pPr lvl="1"/>
+            <a:r>
+              <a:rPr lang="ko-KR" altLang="en-US"/>
+              <a:t>보일러코드를 해결하기 위한 라이브러리 사용</a:t>
+            </a:r>
+            <a:endParaRPr lang="en-US" altLang="ko-KR"/>
+          </a:p>
+          <a:p>
+            <a:pPr lvl="2"/>
+            <a:r>
+              <a:rPr lang="ko-KR" altLang="en-US">
+                <a:solidFill>
+                  <a:srgbClr val="FF0000"/>
+                </a:solidFill>
+              </a:rPr>
+              <a:t>해결방법이 아님</a:t>
+            </a:r>
+            <a:endParaRPr lang="en-US" altLang="ko-KR">
+              <a:solidFill>
+                <a:srgbClr val="FF0000"/>
+              </a:solidFill>
+            </a:endParaRPr>
           </a:p>
           <a:p>
             <a:pPr lvl="1"/>
